--- a/Masters Brasil.pptx
+++ b/Masters Brasil.pptx
@@ -6,7 +6,7 @@
     <p:sldMasterId id="2147483824" r:id="rId2"/>
   </p:sldMasterIdLst>
   <p:notesMasterIdLst>
-    <p:notesMasterId r:id="rId36"/>
+    <p:notesMasterId r:id="rId37"/>
   </p:notesMasterIdLst>
   <p:sldIdLst>
     <p:sldId id="258" r:id="rId3"/>
@@ -38,10 +38,11 @@
     <p:sldId id="293" r:id="rId29"/>
     <p:sldId id="294" r:id="rId30"/>
     <p:sldId id="296" r:id="rId31"/>
-    <p:sldId id="297" r:id="rId32"/>
-    <p:sldId id="298" r:id="rId33"/>
-    <p:sldId id="299" r:id="rId34"/>
-    <p:sldId id="300" r:id="rId35"/>
+    <p:sldId id="302" r:id="rId32"/>
+    <p:sldId id="297" r:id="rId33"/>
+    <p:sldId id="298" r:id="rId34"/>
+    <p:sldId id="299" r:id="rId35"/>
+    <p:sldId id="300" r:id="rId36"/>
   </p:sldIdLst>
   <p:sldSz cx="9144000" cy="6858000" type="screen4x3"/>
   <p:notesSz cx="6858000" cy="9144000"/>
@@ -3088,7 +3089,7 @@
     </p:spTree>
     <p:extLst>
       <p:ext uri="{BB962C8B-B14F-4D97-AF65-F5344CB8AC3E}">
-        <p14:creationId xmlns:p14="http://schemas.microsoft.com/office/powerpoint/2010/main" val="2301801648"/>
+        <p14:creationId xmlns:p14="http://schemas.microsoft.com/office/powerpoint/2010/main" val="2394336325"/>
       </p:ext>
     </p:extLst>
   </p:cSld>
@@ -3197,7 +3198,7 @@
     </p:spTree>
     <p:extLst>
       <p:ext uri="{BB962C8B-B14F-4D97-AF65-F5344CB8AC3E}">
-        <p14:creationId xmlns:p14="http://schemas.microsoft.com/office/powerpoint/2010/main" val="2009288498"/>
+        <p14:creationId xmlns:p14="http://schemas.microsoft.com/office/powerpoint/2010/main" val="2301801648"/>
       </p:ext>
     </p:extLst>
   </p:cSld>
@@ -3306,6 +3307,115 @@
     </p:spTree>
     <p:extLst>
       <p:ext uri="{BB962C8B-B14F-4D97-AF65-F5344CB8AC3E}">
+        <p14:creationId xmlns:p14="http://schemas.microsoft.com/office/powerpoint/2010/main" val="2009288498"/>
+      </p:ext>
+    </p:extLst>
+  </p:cSld>
+  <p:clrMapOvr>
+    <a:masterClrMapping/>
+  </p:clrMapOvr>
+</p:notes>
+</file>
+
+<file path=ppt/notesSlides/notesSlide33.xml><?xml version="1.0" encoding="utf-8"?>
+<p:notes xmlns:a="http://schemas.openxmlformats.org/drawingml/2006/main" xmlns:r="http://schemas.openxmlformats.org/officeDocument/2006/relationships" xmlns:p="http://schemas.openxmlformats.org/presentationml/2006/main" showMasterSp="0" showMasterPhAnim="0">
+  <p:cSld>
+    <p:spTree>
+      <p:nvGrpSpPr>
+        <p:cNvPr id="1" name="Shape 145"/>
+        <p:cNvGrpSpPr/>
+        <p:nvPr/>
+      </p:nvGrpSpPr>
+      <p:grpSpPr>
+        <a:xfrm>
+          <a:off x="0" y="0"/>
+          <a:ext cx="0" cy="0"/>
+          <a:chOff x="0" y="0"/>
+          <a:chExt cx="0" cy="0"/>
+        </a:xfrm>
+      </p:grpSpPr>
+      <p:sp>
+        <p:nvSpPr>
+          <p:cNvPr id="146" name="Google Shape;146;g35f391192_057:notes"/>
+          <p:cNvSpPr>
+            <a:spLocks noGrp="1" noRot="1" noChangeAspect="1"/>
+          </p:cNvSpPr>
+          <p:nvPr>
+            <p:ph type="sldImg" idx="2"/>
+          </p:nvPr>
+        </p:nvSpPr>
+        <p:spPr>
+          <a:xfrm>
+            <a:off x="1143000" y="685800"/>
+            <a:ext cx="4572000" cy="3429000"/>
+          </a:xfrm>
+          <a:custGeom>
+            <a:avLst/>
+            <a:gdLst/>
+            <a:ahLst/>
+            <a:cxnLst/>
+            <a:rect l="l" t="t" r="r" b="b"/>
+            <a:pathLst>
+              <a:path w="120000" h="120000" extrusionOk="0">
+                <a:moveTo>
+                  <a:pt x="0" y="0"/>
+                </a:moveTo>
+                <a:lnTo>
+                  <a:pt x="120000" y="0"/>
+                </a:lnTo>
+                <a:lnTo>
+                  <a:pt x="120000" y="120000"/>
+                </a:lnTo>
+                <a:lnTo>
+                  <a:pt x="0" y="120000"/>
+                </a:lnTo>
+                <a:close/>
+              </a:path>
+            </a:pathLst>
+          </a:custGeom>
+        </p:spPr>
+      </p:sp>
+      <p:sp>
+        <p:nvSpPr>
+          <p:cNvPr id="147" name="Google Shape;147;g35f391192_057:notes"/>
+          <p:cNvSpPr txBox="1">
+            <a:spLocks noGrp="1"/>
+          </p:cNvSpPr>
+          <p:nvPr>
+            <p:ph type="body" idx="1"/>
+          </p:nvPr>
+        </p:nvSpPr>
+        <p:spPr>
+          <a:xfrm>
+            <a:off x="685800" y="4343400"/>
+            <a:ext cx="5486400" cy="4114800"/>
+          </a:xfrm>
+          <a:prstGeom prst="rect">
+            <a:avLst/>
+          </a:prstGeom>
+        </p:spPr>
+        <p:txBody>
+          <a:bodyPr spcFirstLastPara="1" wrap="square" lIns="91425" tIns="91425" rIns="91425" bIns="91425" anchor="t" anchorCtr="0">
+            <a:noAutofit/>
+          </a:bodyPr>
+          <a:lstStyle/>
+          <a:p>
+            <a:pPr marL="0" lvl="0" indent="0" algn="l" rtl="0">
+              <a:spcBef>
+                <a:spcPts val="0"/>
+              </a:spcBef>
+              <a:spcAft>
+                <a:spcPts val="0"/>
+              </a:spcAft>
+              <a:buNone/>
+            </a:pPr>
+            <a:endParaRPr/>
+          </a:p>
+        </p:txBody>
+      </p:sp>
+    </p:spTree>
+    <p:extLst>
+      <p:ext uri="{BB962C8B-B14F-4D97-AF65-F5344CB8AC3E}">
         <p14:creationId xmlns:p14="http://schemas.microsoft.com/office/powerpoint/2010/main" val="1749831804"/>
       </p:ext>
     </p:extLst>
@@ -3316,7 +3426,7 @@
 </p:notes>
 </file>
 
-<file path=ppt/notesSlides/notesSlide33.xml><?xml version="1.0" encoding="utf-8"?>
+<file path=ppt/notesSlides/notesSlide34.xml><?xml version="1.0" encoding="utf-8"?>
 <p:notes xmlns:a="http://schemas.openxmlformats.org/drawingml/2006/main" xmlns:r="http://schemas.openxmlformats.org/officeDocument/2006/relationships" xmlns:p="http://schemas.openxmlformats.org/presentationml/2006/main" showMasterSp="0" showMasterPhAnim="0">
   <p:cSld>
     <p:spTree>
@@ -21327,7 +21437,7 @@
         <p:spPr>
           <a:xfrm>
             <a:off x="786150" y="1572974"/>
-            <a:ext cx="7571700" cy="4098955"/>
+            <a:ext cx="7571700" cy="1090713"/>
           </a:xfrm>
         </p:spPr>
         <p:txBody>
@@ -21344,51 +21454,367 @@
             </a:r>
             <a:r>
               <a:rPr lang="pt-BR" dirty="0"/>
-              <a:t> foram excluídas do projeto</a:t>
+              <a:t> foram excluídas do projeto:</a:t>
             </a:r>
           </a:p>
-          <a:p>
-            <a:endParaRPr lang="pt-BR" dirty="0"/>
-          </a:p>
-          <a:p>
+        </p:txBody>
+      </p:sp>
+      <p:sp>
+        <p:nvSpPr>
+          <p:cNvPr id="6" name="Espaço Reservado para Texto 4">
+            <a:extLst>
+              <a:ext uri="{FF2B5EF4-FFF2-40B4-BE49-F238E27FC236}">
+                <a16:creationId xmlns:a16="http://schemas.microsoft.com/office/drawing/2014/main" id="{4F32049F-1DD0-4622-9A03-28AB15575E76}"/>
+              </a:ext>
+            </a:extLst>
+          </p:cNvPr>
+          <p:cNvSpPr txBox="1">
+            <a:spLocks/>
+          </p:cNvSpPr>
+          <p:nvPr/>
+        </p:nvSpPr>
+        <p:spPr>
+          <a:xfrm>
+            <a:off x="1364976" y="2888935"/>
+            <a:ext cx="3061250" cy="2266120"/>
+          </a:xfrm>
+          <a:prstGeom prst="rect">
+            <a:avLst/>
+          </a:prstGeom>
+          <a:noFill/>
+          <a:ln>
+            <a:noFill/>
+          </a:ln>
+        </p:spPr>
+        <p:txBody>
+          <a:bodyPr spcFirstLastPara="1" wrap="square" lIns="91425" tIns="91425" rIns="91425" bIns="91425" anchor="t" anchorCtr="0"/>
+          <a:lstStyle>
+            <a:defPPr marR="0" lvl="0" algn="l" rtl="0">
+              <a:lnSpc>
+                <a:spcPct val="100000"/>
+              </a:lnSpc>
+              <a:spcBef>
+                <a:spcPts val="0"/>
+              </a:spcBef>
+              <a:spcAft>
+                <a:spcPts val="0"/>
+              </a:spcAft>
+            </a:defPPr>
+            <a:lvl1pPr marL="457200" marR="0" lvl="0" indent="-419100" algn="l" rtl="0" eaLnBrk="1" hangingPunct="1">
+              <a:lnSpc>
+                <a:spcPct val="100000"/>
+              </a:lnSpc>
+              <a:spcBef>
+                <a:spcPts val="600"/>
+              </a:spcBef>
+              <a:spcAft>
+                <a:spcPts val="0"/>
+              </a:spcAft>
+              <a:buClr>
+                <a:srgbClr val="CFD8DC"/>
+              </a:buClr>
+              <a:buSzPts val="3000"/>
+              <a:buFont typeface="Source Sans Pro"/>
+              <a:buChar char="◎"/>
+              <a:defRPr sz="3000" b="0" i="0" u="none" strike="noStrike" cap="none">
+                <a:solidFill>
+                  <a:srgbClr val="263238"/>
+                </a:solidFill>
+                <a:latin typeface="Source Sans Pro"/>
+                <a:ea typeface="Source Sans Pro"/>
+                <a:cs typeface="Source Sans Pro"/>
+                <a:sym typeface="Source Sans Pro"/>
+              </a:defRPr>
+            </a:lvl1pPr>
+            <a:lvl2pPr marL="914400" marR="0" lvl="1" indent="-381000" algn="l" rtl="0" eaLnBrk="1" hangingPunct="1">
+              <a:lnSpc>
+                <a:spcPct val="100000"/>
+              </a:lnSpc>
+              <a:spcBef>
+                <a:spcPts val="0"/>
+              </a:spcBef>
+              <a:spcAft>
+                <a:spcPts val="0"/>
+              </a:spcAft>
+              <a:buClr>
+                <a:srgbClr val="CFD8DC"/>
+              </a:buClr>
+              <a:buSzPts val="2400"/>
+              <a:buFont typeface="Source Sans Pro"/>
+              <a:buChar char="○"/>
+              <a:defRPr sz="2400" b="0" i="0" u="none" strike="noStrike" cap="none">
+                <a:solidFill>
+                  <a:srgbClr val="263238"/>
+                </a:solidFill>
+                <a:latin typeface="Source Sans Pro"/>
+                <a:ea typeface="Source Sans Pro"/>
+                <a:cs typeface="Source Sans Pro"/>
+                <a:sym typeface="Source Sans Pro"/>
+              </a:defRPr>
+            </a:lvl2pPr>
+            <a:lvl3pPr marL="1371600" marR="0" lvl="2" indent="-381000" algn="l" rtl="0" eaLnBrk="1" hangingPunct="1">
+              <a:lnSpc>
+                <a:spcPct val="100000"/>
+              </a:lnSpc>
+              <a:spcBef>
+                <a:spcPts val="0"/>
+              </a:spcBef>
+              <a:spcAft>
+                <a:spcPts val="0"/>
+              </a:spcAft>
+              <a:buClr>
+                <a:srgbClr val="CFD8DC"/>
+              </a:buClr>
+              <a:buSzPts val="2400"/>
+              <a:buFont typeface="Source Sans Pro"/>
+              <a:buChar char="◉"/>
+              <a:defRPr sz="2400" b="0" i="0" u="none" strike="noStrike" cap="none">
+                <a:solidFill>
+                  <a:srgbClr val="263238"/>
+                </a:solidFill>
+                <a:latin typeface="Source Sans Pro"/>
+                <a:ea typeface="Source Sans Pro"/>
+                <a:cs typeface="Source Sans Pro"/>
+                <a:sym typeface="Source Sans Pro"/>
+              </a:defRPr>
+            </a:lvl3pPr>
+            <a:lvl4pPr marL="1828800" marR="0" lvl="3" indent="-342900" algn="l" rtl="0" eaLnBrk="1" hangingPunct="1">
+              <a:lnSpc>
+                <a:spcPct val="100000"/>
+              </a:lnSpc>
+              <a:spcBef>
+                <a:spcPts val="0"/>
+              </a:spcBef>
+              <a:spcAft>
+                <a:spcPts val="0"/>
+              </a:spcAft>
+              <a:buClr>
+                <a:srgbClr val="CFD8DC"/>
+              </a:buClr>
+              <a:buSzPts val="1800"/>
+              <a:buFont typeface="Source Sans Pro"/>
+              <a:buChar char="●"/>
+              <a:defRPr sz="1800" b="0" i="0" u="none" strike="noStrike" cap="none">
+                <a:solidFill>
+                  <a:srgbClr val="263238"/>
+                </a:solidFill>
+                <a:latin typeface="Source Sans Pro"/>
+                <a:ea typeface="Source Sans Pro"/>
+                <a:cs typeface="Source Sans Pro"/>
+                <a:sym typeface="Source Sans Pro"/>
+              </a:defRPr>
+            </a:lvl4pPr>
+            <a:lvl5pPr marL="2286000" marR="0" lvl="4" indent="-342900" algn="l" rtl="0" eaLnBrk="1" hangingPunct="1">
+              <a:lnSpc>
+                <a:spcPct val="100000"/>
+              </a:lnSpc>
+              <a:spcBef>
+                <a:spcPts val="0"/>
+              </a:spcBef>
+              <a:spcAft>
+                <a:spcPts val="0"/>
+              </a:spcAft>
+              <a:buClr>
+                <a:srgbClr val="CFD8DC"/>
+              </a:buClr>
+              <a:buSzPts val="1800"/>
+              <a:buFont typeface="Source Sans Pro"/>
+              <a:buChar char="○"/>
+              <a:defRPr sz="1800" b="0" i="0" u="none" strike="noStrike" cap="none">
+                <a:solidFill>
+                  <a:srgbClr val="263238"/>
+                </a:solidFill>
+                <a:latin typeface="Source Sans Pro"/>
+                <a:ea typeface="Source Sans Pro"/>
+                <a:cs typeface="Source Sans Pro"/>
+                <a:sym typeface="Source Sans Pro"/>
+              </a:defRPr>
+            </a:lvl5pPr>
+            <a:lvl6pPr marL="2743200" marR="0" lvl="5" indent="-342900" algn="l" rtl="0" eaLnBrk="1" hangingPunct="1">
+              <a:lnSpc>
+                <a:spcPct val="100000"/>
+              </a:lnSpc>
+              <a:spcBef>
+                <a:spcPts val="0"/>
+              </a:spcBef>
+              <a:spcAft>
+                <a:spcPts val="0"/>
+              </a:spcAft>
+              <a:buClr>
+                <a:srgbClr val="CFD8DC"/>
+              </a:buClr>
+              <a:buSzPts val="1800"/>
+              <a:buFont typeface="Source Sans Pro"/>
+              <a:buChar char="■"/>
+              <a:defRPr sz="1800" b="0" i="0" u="none" strike="noStrike" cap="none">
+                <a:solidFill>
+                  <a:srgbClr val="263238"/>
+                </a:solidFill>
+                <a:latin typeface="Source Sans Pro"/>
+                <a:ea typeface="Source Sans Pro"/>
+                <a:cs typeface="Source Sans Pro"/>
+                <a:sym typeface="Source Sans Pro"/>
+              </a:defRPr>
+            </a:lvl6pPr>
+            <a:lvl7pPr marL="3200400" marR="0" lvl="6" indent="-342900" algn="l" rtl="0" eaLnBrk="1" hangingPunct="1">
+              <a:lnSpc>
+                <a:spcPct val="100000"/>
+              </a:lnSpc>
+              <a:spcBef>
+                <a:spcPts val="0"/>
+              </a:spcBef>
+              <a:spcAft>
+                <a:spcPts val="0"/>
+              </a:spcAft>
+              <a:buClr>
+                <a:srgbClr val="CFD8DC"/>
+              </a:buClr>
+              <a:buSzPts val="1800"/>
+              <a:buFont typeface="Source Sans Pro"/>
+              <a:buChar char="●"/>
+              <a:defRPr sz="1800" b="0" i="0" u="none" strike="noStrike" cap="none">
+                <a:solidFill>
+                  <a:srgbClr val="263238"/>
+                </a:solidFill>
+                <a:latin typeface="Source Sans Pro"/>
+                <a:ea typeface="Source Sans Pro"/>
+                <a:cs typeface="Source Sans Pro"/>
+                <a:sym typeface="Source Sans Pro"/>
+              </a:defRPr>
+            </a:lvl7pPr>
+            <a:lvl8pPr marL="3657600" marR="0" lvl="7" indent="-342900" algn="l" rtl="0" eaLnBrk="1" hangingPunct="1">
+              <a:lnSpc>
+                <a:spcPct val="100000"/>
+              </a:lnSpc>
+              <a:spcBef>
+                <a:spcPts val="0"/>
+              </a:spcBef>
+              <a:spcAft>
+                <a:spcPts val="0"/>
+              </a:spcAft>
+              <a:buClr>
+                <a:srgbClr val="CFD8DC"/>
+              </a:buClr>
+              <a:buSzPts val="1800"/>
+              <a:buFont typeface="Source Sans Pro"/>
+              <a:buChar char="○"/>
+              <a:defRPr sz="1800" b="0" i="0" u="none" strike="noStrike" cap="none">
+                <a:solidFill>
+                  <a:srgbClr val="263238"/>
+                </a:solidFill>
+                <a:latin typeface="Source Sans Pro"/>
+                <a:ea typeface="Source Sans Pro"/>
+                <a:cs typeface="Source Sans Pro"/>
+                <a:sym typeface="Source Sans Pro"/>
+              </a:defRPr>
+            </a:lvl8pPr>
+            <a:lvl9pPr marL="4114800" marR="0" lvl="8" indent="-342900" algn="l" rtl="0" eaLnBrk="1" hangingPunct="1">
+              <a:lnSpc>
+                <a:spcPct val="100000"/>
+              </a:lnSpc>
+              <a:spcBef>
+                <a:spcPts val="0"/>
+              </a:spcBef>
+              <a:spcAft>
+                <a:spcPts val="0"/>
+              </a:spcAft>
+              <a:buClr>
+                <a:srgbClr val="CFD8DC"/>
+              </a:buClr>
+              <a:buSzPts val="1800"/>
+              <a:buFont typeface="Source Sans Pro"/>
+              <a:buChar char="■"/>
+              <a:defRPr sz="1800" b="0" i="0" u="none" strike="noStrike" cap="none">
+                <a:solidFill>
+                  <a:srgbClr val="263238"/>
+                </a:solidFill>
+                <a:latin typeface="Source Sans Pro"/>
+                <a:ea typeface="Source Sans Pro"/>
+                <a:cs typeface="Source Sans Pro"/>
+                <a:sym typeface="Source Sans Pro"/>
+              </a:defRPr>
+            </a:lvl9pPr>
+          </a:lstStyle>
+          <a:p>
+            <a:pPr>
+              <a:buClrTx/>
+              <a:buFont typeface="Arial" panose="020B0604020202020204" pitchFamily="34" charset="0"/>
+              <a:buChar char="•"/>
+            </a:pPr>
             <a:r>
-              <a:rPr lang="pt-BR" dirty="0"/>
-              <a:t>Foi criados </a:t>
+              <a:rPr lang="pt-BR" kern="0" dirty="0" err="1"/>
+              <a:t>croutine</a:t>
             </a:r>
+            <a:endParaRPr lang="pt-BR" kern="0" dirty="0"/>
+          </a:p>
+          <a:p>
+            <a:pPr>
+              <a:buClrTx/>
+              <a:buFont typeface="Arial" panose="020B0604020202020204" pitchFamily="34" charset="0"/>
+              <a:buChar char="•"/>
+            </a:pPr>
             <a:r>
-              <a:rPr lang="pt-BR" dirty="0" err="1"/>
-              <a:t>tasks</a:t>
+              <a:rPr lang="pt-BR" kern="0" dirty="0" err="1"/>
+              <a:t>event_groups</a:t>
             </a:r>
+            <a:endParaRPr lang="pt-BR" kern="0" dirty="0"/>
+          </a:p>
+          <a:p>
+            <a:pPr>
+              <a:buClrTx/>
+              <a:buFont typeface="Arial" panose="020B0604020202020204" pitchFamily="34" charset="0"/>
+              <a:buChar char="•"/>
+            </a:pPr>
             <a:r>
-              <a:rPr lang="pt-BR" dirty="0"/>
-              <a:t> para ler o valor do ADC e comparar com as faixas de referências</a:t>
+              <a:rPr lang="pt-BR" kern="0" dirty="0" err="1"/>
+              <a:t>stream_buffer</a:t>
             </a:r>
-          </a:p>
-          <a:p>
-            <a:endParaRPr lang="pt-BR" dirty="0"/>
-          </a:p>
-          <a:p>
+            <a:endParaRPr lang="pt-BR" kern="0" dirty="0"/>
+          </a:p>
+          <a:p>
+            <a:pPr>
+              <a:buClrTx/>
+              <a:buFont typeface="Arial" panose="020B0604020202020204" pitchFamily="34" charset="0"/>
+              <a:buChar char="•"/>
+            </a:pPr>
             <a:r>
-              <a:rPr lang="pt-BR" dirty="0"/>
-              <a:t>Para evitar bugs no ADC foi usado </a:t>
+              <a:rPr lang="pt-BR" kern="0" dirty="0" err="1"/>
+              <a:t>timers</a:t>
             </a:r>
-            <a:r>
-              <a:rPr lang="pt-BR" dirty="0" err="1"/>
-              <a:t>mutex</a:t>
-            </a:r>
-            <a:r>
-              <a:rPr lang="pt-BR" dirty="0"/>
-              <a:t>. </a:t>
-            </a:r>
-          </a:p>
-          <a:p>
-            <a:endParaRPr lang="pt-BR" dirty="0"/>
-          </a:p>
-          <a:p>
-            <a:endParaRPr lang="pt-BR" dirty="0"/>
+            <a:endParaRPr lang="pt-BR" kern="0" dirty="0"/>
           </a:p>
         </p:txBody>
       </p:sp>
+      <p:pic>
+        <p:nvPicPr>
+          <p:cNvPr id="8" name="Imagem 7">
+            <a:extLst>
+              <a:ext uri="{FF2B5EF4-FFF2-40B4-BE49-F238E27FC236}">
+                <a16:creationId xmlns:a16="http://schemas.microsoft.com/office/drawing/2014/main" id="{8DF282A7-14A8-4939-BE68-8060C55FCB61}"/>
+              </a:ext>
+            </a:extLst>
+          </p:cNvPr>
+          <p:cNvPicPr>
+            <a:picLocks noChangeAspect="1"/>
+          </p:cNvPicPr>
+          <p:nvPr/>
+        </p:nvPicPr>
+        <p:blipFill>
+          <a:blip r:embed="rId3"/>
+          <a:stretch>
+            <a:fillRect/>
+          </a:stretch>
+        </p:blipFill>
+        <p:spPr>
+          <a:xfrm>
+            <a:off x="5114455" y="3022507"/>
+            <a:ext cx="2439284" cy="2132548"/>
+          </a:xfrm>
+          <a:prstGeom prst="rect">
+            <a:avLst/>
+          </a:prstGeom>
+        </p:spPr>
+      </p:pic>
     </p:spTree>
     <p:extLst>
       <p:ext uri="{BB962C8B-B14F-4D97-AF65-F5344CB8AC3E}">
@@ -21629,12 +22055,111 @@
           </a:p>
         </p:txBody>
       </p:sp>
+      <p:sp>
+        <p:nvSpPr>
+          <p:cNvPr id="19" name="Título 3">
+            <a:extLst>
+              <a:ext uri="{FF2B5EF4-FFF2-40B4-BE49-F238E27FC236}">
+                <a16:creationId xmlns:a16="http://schemas.microsoft.com/office/drawing/2014/main" id="{0DF2085B-CDE3-4B68-9E54-CA0C05152F35}"/>
+              </a:ext>
+            </a:extLst>
+          </p:cNvPr>
+          <p:cNvSpPr>
+            <a:spLocks noGrp="1"/>
+          </p:cNvSpPr>
+          <p:nvPr>
+            <p:ph type="title"/>
+          </p:nvPr>
+        </p:nvSpPr>
+        <p:spPr>
+          <a:xfrm>
+            <a:off x="786150" y="410826"/>
+            <a:ext cx="7571700" cy="936900"/>
+          </a:xfrm>
+        </p:spPr>
+        <p:txBody>
+          <a:bodyPr/>
+          <a:lstStyle/>
+          <a:p>
+            <a:r>
+              <a:rPr lang="pt-BR" dirty="0"/>
+              <a:t>Programação com </a:t>
+            </a:r>
+            <a:r>
+              <a:rPr lang="pt-BR" dirty="0" err="1"/>
+              <a:t>FreeRTOS</a:t>
+            </a:r>
+            <a:r>
+              <a:rPr lang="pt-BR" dirty="0"/>
+              <a:t> v10.1.1</a:t>
+            </a:r>
+          </a:p>
+        </p:txBody>
+      </p:sp>
+      <p:sp>
+        <p:nvSpPr>
+          <p:cNvPr id="20" name="Espaço Reservado para Texto 4">
+            <a:extLst>
+              <a:ext uri="{FF2B5EF4-FFF2-40B4-BE49-F238E27FC236}">
+                <a16:creationId xmlns:a16="http://schemas.microsoft.com/office/drawing/2014/main" id="{D426DB2D-F746-4BC2-9CEA-9E5DB3710A85}"/>
+              </a:ext>
+            </a:extLst>
+          </p:cNvPr>
+          <p:cNvSpPr>
+            <a:spLocks noGrp="1"/>
+          </p:cNvSpPr>
+          <p:nvPr>
+            <p:ph type="body" idx="1"/>
+          </p:nvPr>
+        </p:nvSpPr>
+        <p:spPr>
+          <a:xfrm>
+            <a:off x="786150" y="1572975"/>
+            <a:ext cx="7571700" cy="2323164"/>
+          </a:xfrm>
+        </p:spPr>
+        <p:txBody>
+          <a:bodyPr/>
+          <a:lstStyle/>
+          <a:p>
+            <a:r>
+              <a:rPr lang="pt-BR" dirty="0"/>
+              <a:t>Foi criados </a:t>
+            </a:r>
+            <a:r>
+              <a:rPr lang="pt-BR" dirty="0" err="1"/>
+              <a:t>tasks</a:t>
+            </a:r>
+            <a:r>
+              <a:rPr lang="pt-BR" dirty="0"/>
+              <a:t> para ler o valor do ADC e comparar com as faixas de referências</a:t>
+            </a:r>
+          </a:p>
+          <a:p>
+            <a:endParaRPr lang="pt-BR" dirty="0"/>
+          </a:p>
+          <a:p>
+            <a:r>
+              <a:rPr lang="pt-BR" dirty="0"/>
+              <a:t>Para evitar bugs no ADC foi usado </a:t>
+            </a:r>
+            <a:r>
+              <a:rPr lang="pt-BR" dirty="0" err="1"/>
+              <a:t>mutex</a:t>
+            </a:r>
+            <a:r>
+              <a:rPr lang="pt-BR" dirty="0"/>
+              <a:t>.</a:t>
+            </a:r>
+          </a:p>
+        </p:txBody>
+      </p:sp>
       <p:pic>
         <p:nvPicPr>
-          <p:cNvPr id="6" name="Imagem 5">
+          <p:cNvPr id="5" name="Imagem 4">
             <a:extLst>
               <a:ext uri="{FF2B5EF4-FFF2-40B4-BE49-F238E27FC236}">
-                <a16:creationId xmlns:a16="http://schemas.microsoft.com/office/drawing/2014/main" id="{F3864C93-5BA8-4DAB-B3E7-382B90F4885E}"/>
+                <a16:creationId xmlns:a16="http://schemas.microsoft.com/office/drawing/2014/main" id="{0AC74215-4F38-41E6-9480-ABE93976E98F}"/>
               </a:ext>
             </a:extLst>
           </p:cNvPr>
@@ -21651,8 +22176,68 @@
         </p:blipFill>
         <p:spPr>
           <a:xfrm>
-            <a:off x="1653830" y="557232"/>
-            <a:ext cx="5836340" cy="5743536"/>
+            <a:off x="2092743" y="5199209"/>
+            <a:ext cx="4958516" cy="255317"/>
+          </a:xfrm>
+          <a:prstGeom prst="rect">
+            <a:avLst/>
+          </a:prstGeom>
+        </p:spPr>
+      </p:pic>
+      <p:pic>
+        <p:nvPicPr>
+          <p:cNvPr id="6" name="Imagem 5">
+            <a:extLst>
+              <a:ext uri="{FF2B5EF4-FFF2-40B4-BE49-F238E27FC236}">
+                <a16:creationId xmlns:a16="http://schemas.microsoft.com/office/drawing/2014/main" id="{BAE81E7C-0AD3-40BC-AA7A-E5891165D306}"/>
+              </a:ext>
+            </a:extLst>
+          </p:cNvPr>
+          <p:cNvPicPr>
+            <a:picLocks noChangeAspect="1"/>
+          </p:cNvPicPr>
+          <p:nvPr/>
+        </p:nvPicPr>
+        <p:blipFill>
+          <a:blip r:embed="rId4"/>
+          <a:stretch>
+            <a:fillRect/>
+          </a:stretch>
+        </p:blipFill>
+        <p:spPr>
+          <a:xfrm>
+            <a:off x="2092742" y="4121388"/>
+            <a:ext cx="4958516" cy="479856"/>
+          </a:xfrm>
+          <a:prstGeom prst="rect">
+            <a:avLst/>
+          </a:prstGeom>
+        </p:spPr>
+      </p:pic>
+      <p:pic>
+        <p:nvPicPr>
+          <p:cNvPr id="7" name="Imagem 6">
+            <a:extLst>
+              <a:ext uri="{FF2B5EF4-FFF2-40B4-BE49-F238E27FC236}">
+                <a16:creationId xmlns:a16="http://schemas.microsoft.com/office/drawing/2014/main" id="{2A07BE35-39A7-465C-BFB6-C30A95B72A21}"/>
+              </a:ext>
+            </a:extLst>
+          </p:cNvPr>
+          <p:cNvPicPr>
+            <a:picLocks noChangeAspect="1"/>
+          </p:cNvPicPr>
+          <p:nvPr/>
+        </p:nvPicPr>
+        <p:blipFill>
+          <a:blip r:embed="rId5"/>
+          <a:stretch>
+            <a:fillRect/>
+          </a:stretch>
+        </p:blipFill>
+        <p:spPr>
+          <a:xfrm>
+            <a:off x="2092742" y="4672036"/>
+            <a:ext cx="4958516" cy="456381"/>
           </a:xfrm>
           <a:prstGeom prst="rect">
             <a:avLst/>
@@ -21662,7 +22247,7 @@
     </p:spTree>
     <p:extLst>
       <p:ext uri="{BB962C8B-B14F-4D97-AF65-F5344CB8AC3E}">
-        <p14:creationId xmlns:p14="http://schemas.microsoft.com/office/powerpoint/2010/main" val="1898924711"/>
+        <p14:creationId xmlns:p14="http://schemas.microsoft.com/office/powerpoint/2010/main" val="2389653455"/>
       </p:ext>
     </p:extLst>
   </p:cSld>
@@ -21733,10 +22318,10 @@
       </p:sp>
       <p:pic>
         <p:nvPicPr>
-          <p:cNvPr id="2" name="Imagem 1">
+          <p:cNvPr id="6" name="Imagem 5">
             <a:extLst>
               <a:ext uri="{FF2B5EF4-FFF2-40B4-BE49-F238E27FC236}">
-                <a16:creationId xmlns:a16="http://schemas.microsoft.com/office/drawing/2014/main" id="{A7BA2746-FDBA-4070-86EF-EF3651DB2613}"/>
+                <a16:creationId xmlns:a16="http://schemas.microsoft.com/office/drawing/2014/main" id="{F3864C93-5BA8-4DAB-B3E7-382B90F4885E}"/>
               </a:ext>
             </a:extLst>
           </p:cNvPr>
@@ -21753,8 +22338,8 @@
         </p:blipFill>
         <p:spPr>
           <a:xfrm>
-            <a:off x="1071562" y="847725"/>
-            <a:ext cx="7000875" cy="5162550"/>
+            <a:off x="1653830" y="557232"/>
+            <a:ext cx="5836340" cy="5743536"/>
           </a:xfrm>
           <a:prstGeom prst="rect">
             <a:avLst/>
@@ -21764,7 +22349,7 @@
     </p:spTree>
     <p:extLst>
       <p:ext uri="{BB962C8B-B14F-4D97-AF65-F5344CB8AC3E}">
-        <p14:creationId xmlns:p14="http://schemas.microsoft.com/office/powerpoint/2010/main" val="4127588353"/>
+        <p14:creationId xmlns:p14="http://schemas.microsoft.com/office/powerpoint/2010/main" val="1898924711"/>
       </p:ext>
     </p:extLst>
   </p:cSld>
@@ -21829,6 +22414,108 @@
               <a:rPr lang="en"/>
               <a:t>32</a:t>
             </a:fld>
+            <a:endParaRPr dirty="0"/>
+          </a:p>
+        </p:txBody>
+      </p:sp>
+      <p:pic>
+        <p:nvPicPr>
+          <p:cNvPr id="2" name="Imagem 1">
+            <a:extLst>
+              <a:ext uri="{FF2B5EF4-FFF2-40B4-BE49-F238E27FC236}">
+                <a16:creationId xmlns:a16="http://schemas.microsoft.com/office/drawing/2014/main" id="{A7BA2746-FDBA-4070-86EF-EF3651DB2613}"/>
+              </a:ext>
+            </a:extLst>
+          </p:cNvPr>
+          <p:cNvPicPr>
+            <a:picLocks noChangeAspect="1"/>
+          </p:cNvPicPr>
+          <p:nvPr/>
+        </p:nvPicPr>
+        <p:blipFill>
+          <a:blip r:embed="rId3"/>
+          <a:stretch>
+            <a:fillRect/>
+          </a:stretch>
+        </p:blipFill>
+        <p:spPr>
+          <a:xfrm>
+            <a:off x="1071562" y="847725"/>
+            <a:ext cx="7000875" cy="5162550"/>
+          </a:xfrm>
+          <a:prstGeom prst="rect">
+            <a:avLst/>
+          </a:prstGeom>
+        </p:spPr>
+      </p:pic>
+    </p:spTree>
+    <p:extLst>
+      <p:ext uri="{BB962C8B-B14F-4D97-AF65-F5344CB8AC3E}">
+        <p14:creationId xmlns:p14="http://schemas.microsoft.com/office/powerpoint/2010/main" val="4127588353"/>
+      </p:ext>
+    </p:extLst>
+  </p:cSld>
+  <p:clrMapOvr>
+    <a:masterClrMapping/>
+  </p:clrMapOvr>
+</p:sld>
+</file>
+
+<file path=ppt/slides/slide33.xml><?xml version="1.0" encoding="utf-8"?>
+<p:sld xmlns:a="http://schemas.openxmlformats.org/drawingml/2006/main" xmlns:r="http://schemas.openxmlformats.org/officeDocument/2006/relationships" xmlns:p="http://schemas.openxmlformats.org/presentationml/2006/main">
+  <p:cSld>
+    <p:spTree>
+      <p:nvGrpSpPr>
+        <p:cNvPr id="1" name="Shape 148"/>
+        <p:cNvGrpSpPr/>
+        <p:nvPr/>
+      </p:nvGrpSpPr>
+      <p:grpSpPr>
+        <a:xfrm>
+          <a:off x="0" y="0"/>
+          <a:ext cx="0" cy="0"/>
+          <a:chOff x="0" y="0"/>
+          <a:chExt cx="0" cy="0"/>
+        </a:xfrm>
+      </p:grpSpPr>
+      <p:sp>
+        <p:nvSpPr>
+          <p:cNvPr id="156" name="Google Shape;156;p21"/>
+          <p:cNvSpPr txBox="1">
+            <a:spLocks noGrp="1"/>
+          </p:cNvSpPr>
+          <p:nvPr>
+            <p:ph type="sldNum" idx="12"/>
+          </p:nvPr>
+        </p:nvSpPr>
+        <p:spPr>
+          <a:xfrm>
+            <a:off x="8404384" y="6333134"/>
+            <a:ext cx="548700" cy="525000"/>
+          </a:xfrm>
+          <a:prstGeom prst="rect">
+            <a:avLst/>
+          </a:prstGeom>
+        </p:spPr>
+        <p:txBody>
+          <a:bodyPr spcFirstLastPara="1" wrap="square" lIns="91425" tIns="91425" rIns="91425" bIns="91425" anchor="t" anchorCtr="0">
+            <a:noAutofit/>
+          </a:bodyPr>
+          <a:lstStyle/>
+          <a:p>
+            <a:pPr marL="0" lvl="0" indent="0" algn="r" rtl="0">
+              <a:spcBef>
+                <a:spcPts val="0"/>
+              </a:spcBef>
+              <a:spcAft>
+                <a:spcPts val="0"/>
+              </a:spcAft>
+              <a:buNone/>
+            </a:pPr>
+            <a:fld id="{00000000-1234-1234-1234-123412341234}" type="slidenum">
+              <a:rPr lang="en"/>
+              <a:t>33</a:t>
+            </a:fld>
             <a:endParaRPr/>
           </a:p>
         </p:txBody>
@@ -22591,7 +23278,7 @@
 </p:sld>
 </file>
 
-<file path=ppt/slides/slide33.xml><?xml version="1.0" encoding="utf-8"?>
+<file path=ppt/slides/slide34.xml><?xml version="1.0" encoding="utf-8"?>
 <p:sld xmlns:a="http://schemas.openxmlformats.org/drawingml/2006/main" xmlns:r="http://schemas.openxmlformats.org/officeDocument/2006/relationships" xmlns:p="http://schemas.openxmlformats.org/presentationml/2006/main">
   <p:cSld>
     <p:spTree>
@@ -22736,7 +23423,7 @@
             </a:pPr>
             <a:fld id="{00000000-1234-1234-1234-123412341234}" type="slidenum">
               <a:rPr lang="en"/>
-              <a:t>33</a:t>
+              <a:t>34</a:t>
             </a:fld>
             <a:endParaRPr/>
           </a:p>
